--- a/期中報告_v2.pptx
+++ b/期中報告_v2.pptx
@@ -3772,10 +3772,6 @@
               <a:rPr lang="zh-TW" altLang="en-US" sz="4800" dirty="0"/>
               <a:t>辨識馬路破損區域</a:t>
             </a:r>
-            <a:r>
-              <a:rPr lang="en-US" altLang="zh-TW" sz="4000" b="0" dirty="0"/>
-              <a:t/>
-            </a:r>
             <a:br>
               <a:rPr lang="en-US" altLang="zh-TW" sz="4000" b="0" dirty="0"/>
             </a:br>
@@ -3796,7 +3792,7 @@
         <p:spPr>
           <a:xfrm>
             <a:off x="838200" y="4057095"/>
-            <a:ext cx="10515600" cy="2708434"/>
+            <a:ext cx="10515600" cy="2400657"/>
           </a:xfrm>
           <a:prstGeom prst="rect">
             <a:avLst/>
@@ -3808,19 +3804,6 @@
             <a:spAutoFit/>
           </a:bodyPr>
           <a:lstStyle/>
-          <a:p>
-            <a:r>
-              <a:rPr lang="zh-TW" altLang="en-US" sz="2000" dirty="0">
-                <a:latin typeface="標楷體" panose="03000509000000000000" pitchFamily="65" charset="-120"/>
-                <a:ea typeface="標楷體" panose="03000509000000000000" pitchFamily="65" charset="-120"/>
-              </a:rPr>
-              <a:t>負  責  人：</a:t>
-            </a:r>
-            <a:endParaRPr lang="en-US" altLang="zh-TW" sz="2000" dirty="0">
-              <a:latin typeface="標楷體" panose="03000509000000000000" pitchFamily="65" charset="-120"/>
-              <a:ea typeface="標楷體" panose="03000509000000000000" pitchFamily="65" charset="-120"/>
-            </a:endParaRPr>
-          </a:p>
           <a:p>
             <a:endParaRPr lang="en-US" altLang="zh-TW" sz="1000" dirty="0">
               <a:latin typeface="標楷體" panose="03000509000000000000" pitchFamily="65" charset="-120"/>

--- a/期中報告_v2.pptx
+++ b/期中報告_v2.pptx
@@ -16,9 +16,9 @@
     <p:sldId id="272" r:id="rId4"/>
     <p:sldId id="270" r:id="rId5"/>
     <p:sldId id="266" r:id="rId6"/>
-    <p:sldId id="267" r:id="rId7"/>
-    <p:sldId id="273" r:id="rId8"/>
-    <p:sldId id="269" r:id="rId9"/>
+    <p:sldId id="273" r:id="rId7"/>
+    <p:sldId id="269" r:id="rId8"/>
+    <p:sldId id="267" r:id="rId9"/>
   </p:sldIdLst>
   <p:sldSz cx="12192000" cy="6858000"/>
   <p:notesSz cx="6858000" cy="9144000"/>
@@ -135,13 +135,13 @@
         </p14:section>
         <p14:section name="分析" id="{6640461F-CA09-4F76-8BF1-31AC0A5FCA64}">
           <p14:sldIdLst>
-            <p14:sldId id="267"/>
             <p14:sldId id="273"/>
           </p14:sldIdLst>
         </p14:section>
         <p14:section name="設計" id="{BE467578-9E25-45F1-B4BB-5B6A52B35AC2}">
           <p14:sldIdLst>
             <p14:sldId id="269"/>
+            <p14:sldId id="267"/>
           </p14:sldIdLst>
         </p14:section>
       </p14:sectionLst>
@@ -4959,82 +4959,6 @@
       </p:sp>
       <p:pic>
         <p:nvPicPr>
-          <p:cNvPr id="5" name="圖片 4"/>
-          <p:cNvPicPr>
-            <a:picLocks noChangeAspect="1"/>
-          </p:cNvPicPr>
-          <p:nvPr/>
-        </p:nvPicPr>
-        <p:blipFill>
-          <a:blip r:embed="rId2"/>
-          <a:stretch>
-            <a:fillRect/>
-          </a:stretch>
-        </p:blipFill>
-        <p:spPr>
-          <a:xfrm>
-            <a:off x="113258" y="1488621"/>
-            <a:ext cx="11965484" cy="3823607"/>
-          </a:xfrm>
-          <a:prstGeom prst="rect">
-            <a:avLst/>
-          </a:prstGeom>
-        </p:spPr>
-      </p:pic>
-    </p:spTree>
-    <p:extLst>
-      <p:ext uri="{BB962C8B-B14F-4D97-AF65-F5344CB8AC3E}">
-        <p14:creationId xmlns:p14="http://schemas.microsoft.com/office/powerpoint/2010/main" val="1042604376"/>
-      </p:ext>
-    </p:extLst>
-  </p:cSld>
-  <p:clrMapOvr>
-    <a:masterClrMapping/>
-  </p:clrMapOvr>
-</p:sld>
-</file>
-
-<file path=ppt/slides/slide7.xml><?xml version="1.0" encoding="utf-8"?>
-<p:sld xmlns:a="http://schemas.openxmlformats.org/drawingml/2006/main" xmlns:r="http://schemas.openxmlformats.org/officeDocument/2006/relationships" xmlns:p="http://schemas.openxmlformats.org/presentationml/2006/main">
-  <p:cSld>
-    <p:spTree>
-      <p:nvGrpSpPr>
-        <p:cNvPr id="1" name=""/>
-        <p:cNvGrpSpPr/>
-        <p:nvPr/>
-      </p:nvGrpSpPr>
-      <p:grpSpPr>
-        <a:xfrm>
-          <a:off x="0" y="0"/>
-          <a:ext cx="0" cy="0"/>
-          <a:chOff x="0" y="0"/>
-          <a:chExt cx="0" cy="0"/>
-        </a:xfrm>
-      </p:grpSpPr>
-      <p:sp>
-        <p:nvSpPr>
-          <p:cNvPr id="3" name="標題 2"/>
-          <p:cNvSpPr>
-            <a:spLocks noGrp="1"/>
-          </p:cNvSpPr>
-          <p:nvPr>
-            <p:ph type="title"/>
-          </p:nvPr>
-        </p:nvSpPr>
-        <p:spPr/>
-        <p:txBody>
-          <a:bodyPr/>
-          <a:lstStyle/>
-          <a:p>
-            <a:r>
-              <a:rPr lang="zh-TW" altLang="en-US" dirty="0"/>
-              <a:t>分析</a:t>
-            </a:r>
-          </a:p>
-        </p:txBody>
-      </p:sp>
-      <p:pic>
-        <p:nvPicPr>
           <p:cNvPr id="4" name="圖片 3"/>
           <p:cNvPicPr>
             <a:picLocks noChangeAspect="1"/>
@@ -5069,7 +4993,7 @@
 </p:sld>
 </file>
 
-<file path=ppt/slides/slide8.xml><?xml version="1.0" encoding="utf-8"?>
+<file path=ppt/slides/slide7.xml><?xml version="1.0" encoding="utf-8"?>
 <p:sld xmlns:a="http://schemas.openxmlformats.org/drawingml/2006/main" xmlns:r="http://schemas.openxmlformats.org/officeDocument/2006/relationships" xmlns:p="http://schemas.openxmlformats.org/presentationml/2006/main">
   <p:cSld>
     <p:spTree>
@@ -5173,6 +5097,82 @@
     <p:extLst>
       <p:ext uri="{BB962C8B-B14F-4D97-AF65-F5344CB8AC3E}">
         <p14:creationId xmlns:p14="http://schemas.microsoft.com/office/powerpoint/2010/main" val="2242918946"/>
+      </p:ext>
+    </p:extLst>
+  </p:cSld>
+  <p:clrMapOvr>
+    <a:masterClrMapping/>
+  </p:clrMapOvr>
+</p:sld>
+</file>
+
+<file path=ppt/slides/slide8.xml><?xml version="1.0" encoding="utf-8"?>
+<p:sld xmlns:a="http://schemas.openxmlformats.org/drawingml/2006/main" xmlns:r="http://schemas.openxmlformats.org/officeDocument/2006/relationships" xmlns:p="http://schemas.openxmlformats.org/presentationml/2006/main">
+  <p:cSld>
+    <p:spTree>
+      <p:nvGrpSpPr>
+        <p:cNvPr id="1" name=""/>
+        <p:cNvGrpSpPr/>
+        <p:nvPr/>
+      </p:nvGrpSpPr>
+      <p:grpSpPr>
+        <a:xfrm>
+          <a:off x="0" y="0"/>
+          <a:ext cx="0" cy="0"/>
+          <a:chOff x="0" y="0"/>
+          <a:chExt cx="0" cy="0"/>
+        </a:xfrm>
+      </p:grpSpPr>
+      <p:sp>
+        <p:nvSpPr>
+          <p:cNvPr id="3" name="標題 2"/>
+          <p:cNvSpPr>
+            <a:spLocks noGrp="1"/>
+          </p:cNvSpPr>
+          <p:nvPr>
+            <p:ph type="title"/>
+          </p:nvPr>
+        </p:nvSpPr>
+        <p:spPr/>
+        <p:txBody>
+          <a:bodyPr/>
+          <a:lstStyle/>
+          <a:p>
+            <a:r>
+              <a:rPr lang="zh-TW" altLang="en-US" dirty="0"/>
+              <a:t>分析</a:t>
+            </a:r>
+          </a:p>
+        </p:txBody>
+      </p:sp>
+      <p:pic>
+        <p:nvPicPr>
+          <p:cNvPr id="5" name="圖片 4"/>
+          <p:cNvPicPr>
+            <a:picLocks noChangeAspect="1"/>
+          </p:cNvPicPr>
+          <p:nvPr/>
+        </p:nvPicPr>
+        <p:blipFill>
+          <a:blip r:embed="rId2"/>
+          <a:stretch>
+            <a:fillRect/>
+          </a:stretch>
+        </p:blipFill>
+        <p:spPr>
+          <a:xfrm>
+            <a:off x="113258" y="1488621"/>
+            <a:ext cx="11965484" cy="3823607"/>
+          </a:xfrm>
+          <a:prstGeom prst="rect">
+            <a:avLst/>
+          </a:prstGeom>
+        </p:spPr>
+      </p:pic>
+    </p:spTree>
+    <p:extLst>
+      <p:ext uri="{BB962C8B-B14F-4D97-AF65-F5344CB8AC3E}">
+        <p14:creationId xmlns:p14="http://schemas.microsoft.com/office/powerpoint/2010/main" val="1042604376"/>
       </p:ext>
     </p:extLst>
   </p:cSld>

--- a/期中報告_v2.pptx
+++ b/期中報告_v2.pptx
@@ -4896,6 +4896,66 @@
               <a:rPr lang="en-US" altLang="zh-TW" sz="2400" dirty="0"/>
               <a:t>)</a:t>
             </a:r>
+          </a:p>
+          <a:p>
+            <a:pPr marL="0" indent="0">
+              <a:buNone/>
+            </a:pPr>
+            <a:endParaRPr lang="en-US" altLang="zh-TW" sz="2400" dirty="0"/>
+          </a:p>
+          <a:p>
+            <a:pPr marL="0" indent="0">
+              <a:buNone/>
+            </a:pPr>
+            <a:r>
+              <a:rPr lang="en-US" altLang="zh-TW" sz="2400" dirty="0"/>
+              <a:t>5.</a:t>
+            </a:r>
+            <a:r>
+              <a:rPr lang="zh-TW" altLang="en-US" sz="2400" dirty="0"/>
+              <a:t> 霍夫變換找車道線</a:t>
+            </a:r>
+            <a:endParaRPr lang="en-US" altLang="zh-TW" sz="2400" dirty="0"/>
+          </a:p>
+          <a:p>
+            <a:pPr marL="0" indent="0">
+              <a:buNone/>
+            </a:pPr>
+            <a:endParaRPr lang="en-US" altLang="zh-TW" sz="2400" dirty="0"/>
+          </a:p>
+          <a:p>
+            <a:pPr marL="0" indent="0">
+              <a:buNone/>
+            </a:pPr>
+            <a:r>
+              <a:rPr lang="en-US" altLang="zh-TW" sz="2400" dirty="0"/>
+              <a:t>6.</a:t>
+            </a:r>
+            <a:r>
+              <a:rPr lang="zh-TW" altLang="en-US" sz="2400" dirty="0"/>
+              <a:t> 角點偵測</a:t>
+            </a:r>
+            <a:endParaRPr lang="en-US" altLang="zh-TW" sz="2400" dirty="0"/>
+          </a:p>
+          <a:p>
+            <a:pPr marL="0" indent="0">
+              <a:buNone/>
+            </a:pPr>
+            <a:endParaRPr lang="en-US" altLang="zh-TW" sz="2400" dirty="0"/>
+          </a:p>
+          <a:p>
+            <a:pPr marL="0" indent="0">
+              <a:buNone/>
+            </a:pPr>
+            <a:r>
+              <a:rPr lang="en-US" altLang="zh-TW" sz="2400" dirty="0"/>
+              <a:t>7. </a:t>
+            </a:r>
+            <a:r>
+              <a:rPr lang="zh-TW" altLang="en-US" sz="2400" dirty="0"/>
+              <a:t>光流</a:t>
+            </a:r>
+            <a:endParaRPr lang="en-US" altLang="zh-TW" sz="2400" dirty="0"/>
           </a:p>
           <a:p>
             <a:pPr marL="0" indent="0">

--- a/期中報告_v2.pptx
+++ b/期中報告_v2.pptx
@@ -5,10 +5,10 @@
     <p:sldMasterId id="2147483648" r:id="rId1"/>
   </p:sldMasterIdLst>
   <p:notesMasterIdLst>
-    <p:notesMasterId r:id="rId10"/>
+    <p:notesMasterId r:id="rId11"/>
   </p:notesMasterIdLst>
   <p:handoutMasterIdLst>
-    <p:handoutMasterId r:id="rId11"/>
+    <p:handoutMasterId r:id="rId12"/>
   </p:handoutMasterIdLst>
   <p:sldIdLst>
     <p:sldId id="259" r:id="rId2"/>
@@ -17,8 +17,9 @@
     <p:sldId id="270" r:id="rId5"/>
     <p:sldId id="266" r:id="rId6"/>
     <p:sldId id="273" r:id="rId7"/>
-    <p:sldId id="269" r:id="rId8"/>
-    <p:sldId id="267" r:id="rId9"/>
+    <p:sldId id="274" r:id="rId8"/>
+    <p:sldId id="269" r:id="rId9"/>
+    <p:sldId id="267" r:id="rId10"/>
   </p:sldIdLst>
   <p:sldSz cx="12192000" cy="6858000"/>
   <p:notesSz cx="6858000" cy="9144000"/>
@@ -136,6 +137,7 @@
         <p14:section name="分析" id="{6640461F-CA09-4F76-8BF1-31AC0A5FCA64}">
           <p14:sldIdLst>
             <p14:sldId id="273"/>
+            <p14:sldId id="274"/>
           </p14:sldIdLst>
         </p14:section>
         <p14:section name="設計" id="{BE467578-9E25-45F1-B4BB-5B6A52B35AC2}">
@@ -5072,6 +5074,1039 @@
       </p:grpSpPr>
       <p:sp>
         <p:nvSpPr>
+          <p:cNvPr id="3" name="標題 2">
+            <a:extLst>
+              <a:ext uri="{FF2B5EF4-FFF2-40B4-BE49-F238E27FC236}">
+                <a16:creationId xmlns:a16="http://schemas.microsoft.com/office/drawing/2014/main" id="{7D66EA87-C65D-4F84-8449-DD72D475043A}"/>
+              </a:ext>
+            </a:extLst>
+          </p:cNvPr>
+          <p:cNvSpPr>
+            <a:spLocks noGrp="1"/>
+          </p:cNvSpPr>
+          <p:nvPr>
+            <p:ph type="title"/>
+          </p:nvPr>
+        </p:nvSpPr>
+        <p:spPr/>
+        <p:txBody>
+          <a:bodyPr/>
+          <a:lstStyle/>
+          <a:p>
+            <a:r>
+              <a:rPr lang="zh-TW" altLang="en-US" dirty="0"/>
+              <a:t>分析</a:t>
+            </a:r>
+          </a:p>
+        </p:txBody>
+      </p:sp>
+      <p:sp>
+        <p:nvSpPr>
+          <p:cNvPr id="5" name="矩形 4">
+            <a:extLst>
+              <a:ext uri="{FF2B5EF4-FFF2-40B4-BE49-F238E27FC236}">
+                <a16:creationId xmlns:a16="http://schemas.microsoft.com/office/drawing/2014/main" id="{2D40A202-D37B-434D-90F7-203C2E99115A}"/>
+              </a:ext>
+            </a:extLst>
+          </p:cNvPr>
+          <p:cNvSpPr/>
+          <p:nvPr/>
+        </p:nvSpPr>
+        <p:spPr>
+          <a:xfrm>
+            <a:off x="3931925" y="3912322"/>
+            <a:ext cx="994299" cy="612559"/>
+          </a:xfrm>
+          <a:prstGeom prst="rect">
+            <a:avLst/>
+          </a:prstGeom>
+        </p:spPr>
+        <p:style>
+          <a:lnRef idx="2">
+            <a:schemeClr val="dk1"/>
+          </a:lnRef>
+          <a:fillRef idx="1">
+            <a:schemeClr val="lt1"/>
+          </a:fillRef>
+          <a:effectRef idx="0">
+            <a:schemeClr val="dk1"/>
+          </a:effectRef>
+          <a:fontRef idx="minor">
+            <a:schemeClr val="dk1"/>
+          </a:fontRef>
+        </p:style>
+        <p:txBody>
+          <a:bodyPr rtlCol="0" anchor="ctr"/>
+          <a:lstStyle/>
+          <a:p>
+            <a:pPr algn="ctr"/>
+            <a:r>
+              <a:rPr lang="en-US" altLang="zh-TW" dirty="0"/>
+              <a:t>gray</a:t>
+            </a:r>
+            <a:endParaRPr lang="zh-TW" altLang="en-US" dirty="0"/>
+          </a:p>
+        </p:txBody>
+      </p:sp>
+      <p:sp>
+        <p:nvSpPr>
+          <p:cNvPr id="6" name="矩形 5">
+            <a:extLst>
+              <a:ext uri="{FF2B5EF4-FFF2-40B4-BE49-F238E27FC236}">
+                <a16:creationId xmlns:a16="http://schemas.microsoft.com/office/drawing/2014/main" id="{5B250D23-2E1D-4F50-88F0-D71D651876AE}"/>
+              </a:ext>
+            </a:extLst>
+          </p:cNvPr>
+          <p:cNvSpPr/>
+          <p:nvPr/>
+        </p:nvSpPr>
+        <p:spPr>
+          <a:xfrm>
+            <a:off x="6516533" y="3815707"/>
+            <a:ext cx="994299" cy="612559"/>
+          </a:xfrm>
+          <a:prstGeom prst="rect">
+            <a:avLst/>
+          </a:prstGeom>
+        </p:spPr>
+        <p:style>
+          <a:lnRef idx="2">
+            <a:schemeClr val="dk1"/>
+          </a:lnRef>
+          <a:fillRef idx="1">
+            <a:schemeClr val="lt1"/>
+          </a:fillRef>
+          <a:effectRef idx="0">
+            <a:schemeClr val="dk1"/>
+          </a:effectRef>
+          <a:fontRef idx="minor">
+            <a:schemeClr val="dk1"/>
+          </a:fontRef>
+        </p:style>
+        <p:txBody>
+          <a:bodyPr rtlCol="0" anchor="ctr"/>
+          <a:lstStyle/>
+          <a:p>
+            <a:pPr algn="ctr"/>
+            <a:r>
+              <a:rPr lang="en-US" altLang="zh-TW" dirty="0"/>
+              <a:t>LBP</a:t>
+            </a:r>
+            <a:endParaRPr lang="zh-TW" altLang="en-US" dirty="0"/>
+          </a:p>
+        </p:txBody>
+      </p:sp>
+      <p:sp>
+        <p:nvSpPr>
+          <p:cNvPr id="7" name="矩形 6">
+            <a:extLst>
+              <a:ext uri="{FF2B5EF4-FFF2-40B4-BE49-F238E27FC236}">
+                <a16:creationId xmlns:a16="http://schemas.microsoft.com/office/drawing/2014/main" id="{AA4D0AF0-F948-4316-9489-45DFA4A68695}"/>
+              </a:ext>
+            </a:extLst>
+          </p:cNvPr>
+          <p:cNvSpPr/>
+          <p:nvPr/>
+        </p:nvSpPr>
+        <p:spPr>
+          <a:xfrm>
+            <a:off x="4881841" y="4814975"/>
+            <a:ext cx="994299" cy="612559"/>
+          </a:xfrm>
+          <a:prstGeom prst="rect">
+            <a:avLst/>
+          </a:prstGeom>
+        </p:spPr>
+        <p:style>
+          <a:lnRef idx="2">
+            <a:schemeClr val="dk1"/>
+          </a:lnRef>
+          <a:fillRef idx="1">
+            <a:schemeClr val="lt1"/>
+          </a:fillRef>
+          <a:effectRef idx="0">
+            <a:schemeClr val="dk1"/>
+          </a:effectRef>
+          <a:fontRef idx="minor">
+            <a:schemeClr val="dk1"/>
+          </a:fontRef>
+        </p:style>
+        <p:txBody>
+          <a:bodyPr rtlCol="0" anchor="ctr"/>
+          <a:lstStyle/>
+          <a:p>
+            <a:pPr algn="ctr"/>
+            <a:r>
+              <a:rPr lang="en-US" altLang="zh-TW" dirty="0"/>
+              <a:t>Sobel</a:t>
+            </a:r>
+            <a:endParaRPr lang="zh-TW" altLang="en-US" dirty="0"/>
+          </a:p>
+        </p:txBody>
+      </p:sp>
+      <p:sp>
+        <p:nvSpPr>
+          <p:cNvPr id="8" name="矩形 7">
+            <a:extLst>
+              <a:ext uri="{FF2B5EF4-FFF2-40B4-BE49-F238E27FC236}">
+                <a16:creationId xmlns:a16="http://schemas.microsoft.com/office/drawing/2014/main" id="{382F4849-B2E4-4019-8F97-0530EC2D2B52}"/>
+              </a:ext>
+            </a:extLst>
+          </p:cNvPr>
+          <p:cNvSpPr/>
+          <p:nvPr/>
+        </p:nvSpPr>
+        <p:spPr>
+          <a:xfrm>
+            <a:off x="6042730" y="4814976"/>
+            <a:ext cx="994299" cy="612559"/>
+          </a:xfrm>
+          <a:prstGeom prst="rect">
+            <a:avLst/>
+          </a:prstGeom>
+        </p:spPr>
+        <p:style>
+          <a:lnRef idx="2">
+            <a:schemeClr val="dk1"/>
+          </a:lnRef>
+          <a:fillRef idx="1">
+            <a:schemeClr val="lt1"/>
+          </a:fillRef>
+          <a:effectRef idx="0">
+            <a:schemeClr val="dk1"/>
+          </a:effectRef>
+          <a:fontRef idx="minor">
+            <a:schemeClr val="dk1"/>
+          </a:fontRef>
+        </p:style>
+        <p:txBody>
+          <a:bodyPr rtlCol="0" anchor="ctr"/>
+          <a:lstStyle/>
+          <a:p>
+            <a:pPr algn="ctr"/>
+            <a:r>
+              <a:rPr lang="en-US" altLang="zh-TW" dirty="0"/>
+              <a:t>Water-shed</a:t>
+            </a:r>
+            <a:endParaRPr lang="zh-TW" altLang="en-US" dirty="0"/>
+          </a:p>
+        </p:txBody>
+      </p:sp>
+      <p:sp>
+        <p:nvSpPr>
+          <p:cNvPr id="9" name="矩形 8">
+            <a:extLst>
+              <a:ext uri="{FF2B5EF4-FFF2-40B4-BE49-F238E27FC236}">
+                <a16:creationId xmlns:a16="http://schemas.microsoft.com/office/drawing/2014/main" id="{DF5AAFBA-21D7-42BD-B7AD-BD624FFAA7BC}"/>
+              </a:ext>
+            </a:extLst>
+          </p:cNvPr>
+          <p:cNvSpPr/>
+          <p:nvPr/>
+        </p:nvSpPr>
+        <p:spPr>
+          <a:xfrm>
+            <a:off x="5403540" y="2816440"/>
+            <a:ext cx="1136341" cy="612559"/>
+          </a:xfrm>
+          <a:prstGeom prst="rect">
+            <a:avLst/>
+          </a:prstGeom>
+        </p:spPr>
+        <p:style>
+          <a:lnRef idx="2">
+            <a:schemeClr val="dk1"/>
+          </a:lnRef>
+          <a:fillRef idx="1">
+            <a:schemeClr val="lt1"/>
+          </a:fillRef>
+          <a:effectRef idx="0">
+            <a:schemeClr val="dk1"/>
+          </a:effectRef>
+          <a:fontRef idx="minor">
+            <a:schemeClr val="dk1"/>
+          </a:fontRef>
+        </p:style>
+        <p:txBody>
+          <a:bodyPr rtlCol="0" anchor="ctr"/>
+          <a:lstStyle/>
+          <a:p>
+            <a:pPr algn="ctr"/>
+            <a:r>
+              <a:rPr lang="en-US" altLang="zh-TW" dirty="0" err="1"/>
+              <a:t>Get_road</a:t>
+            </a:r>
+            <a:endParaRPr lang="zh-TW" altLang="en-US" dirty="0"/>
+          </a:p>
+        </p:txBody>
+      </p:sp>
+      <p:sp>
+        <p:nvSpPr>
+          <p:cNvPr id="10" name="矩形 9">
+            <a:extLst>
+              <a:ext uri="{FF2B5EF4-FFF2-40B4-BE49-F238E27FC236}">
+                <a16:creationId xmlns:a16="http://schemas.microsoft.com/office/drawing/2014/main" id="{1A73CF74-BFAD-45F5-A042-79F58B5634A1}"/>
+              </a:ext>
+            </a:extLst>
+          </p:cNvPr>
+          <p:cNvSpPr/>
+          <p:nvPr/>
+        </p:nvSpPr>
+        <p:spPr>
+          <a:xfrm>
+            <a:off x="2791287" y="2812930"/>
+            <a:ext cx="994299" cy="612559"/>
+          </a:xfrm>
+          <a:prstGeom prst="rect">
+            <a:avLst/>
+          </a:prstGeom>
+        </p:spPr>
+        <p:style>
+          <a:lnRef idx="2">
+            <a:schemeClr val="dk1"/>
+          </a:lnRef>
+          <a:fillRef idx="1">
+            <a:schemeClr val="lt1"/>
+          </a:fillRef>
+          <a:effectRef idx="0">
+            <a:schemeClr val="dk1"/>
+          </a:effectRef>
+          <a:fontRef idx="minor">
+            <a:schemeClr val="dk1"/>
+          </a:fontRef>
+        </p:style>
+        <p:txBody>
+          <a:bodyPr rtlCol="0" anchor="ctr"/>
+          <a:lstStyle/>
+          <a:p>
+            <a:pPr algn="ctr"/>
+            <a:r>
+              <a:rPr lang="en-US" altLang="zh-TW" dirty="0"/>
+              <a:t>Read_</a:t>
+            </a:r>
+          </a:p>
+          <a:p>
+            <a:pPr algn="ctr"/>
+            <a:r>
+              <a:rPr lang="en-US" altLang="zh-TW" dirty="0"/>
+              <a:t>video</a:t>
+            </a:r>
+            <a:endParaRPr lang="zh-TW" altLang="en-US" dirty="0"/>
+          </a:p>
+        </p:txBody>
+      </p:sp>
+      <p:sp>
+        <p:nvSpPr>
+          <p:cNvPr id="11" name="矩形 10">
+            <a:extLst>
+              <a:ext uri="{FF2B5EF4-FFF2-40B4-BE49-F238E27FC236}">
+                <a16:creationId xmlns:a16="http://schemas.microsoft.com/office/drawing/2014/main" id="{09965DB2-43D2-48E2-AC1F-94E6D2576076}"/>
+              </a:ext>
+            </a:extLst>
+          </p:cNvPr>
+          <p:cNvSpPr/>
+          <p:nvPr/>
+        </p:nvSpPr>
+        <p:spPr>
+          <a:xfrm>
+            <a:off x="8764851" y="2816440"/>
+            <a:ext cx="994299" cy="612559"/>
+          </a:xfrm>
+          <a:prstGeom prst="rect">
+            <a:avLst/>
+          </a:prstGeom>
+        </p:spPr>
+        <p:style>
+          <a:lnRef idx="2">
+            <a:schemeClr val="dk1"/>
+          </a:lnRef>
+          <a:fillRef idx="1">
+            <a:schemeClr val="lt1"/>
+          </a:fillRef>
+          <a:effectRef idx="0">
+            <a:schemeClr val="dk1"/>
+          </a:effectRef>
+          <a:fontRef idx="minor">
+            <a:schemeClr val="dk1"/>
+          </a:fontRef>
+        </p:style>
+        <p:txBody>
+          <a:bodyPr rtlCol="0" anchor="ctr"/>
+          <a:lstStyle/>
+          <a:p>
+            <a:pPr algn="ctr"/>
+            <a:r>
+              <a:rPr lang="en-US" altLang="zh-TW" dirty="0"/>
+              <a:t>find_</a:t>
+            </a:r>
+          </a:p>
+          <a:p>
+            <a:pPr algn="ctr"/>
+            <a:r>
+              <a:rPr lang="en-US" altLang="zh-TW" dirty="0"/>
+              <a:t>hole</a:t>
+            </a:r>
+            <a:endParaRPr lang="zh-TW" altLang="en-US" dirty="0"/>
+          </a:p>
+        </p:txBody>
+      </p:sp>
+      <p:sp>
+        <p:nvSpPr>
+          <p:cNvPr id="12" name="矩形 11">
+            <a:extLst>
+              <a:ext uri="{FF2B5EF4-FFF2-40B4-BE49-F238E27FC236}">
+                <a16:creationId xmlns:a16="http://schemas.microsoft.com/office/drawing/2014/main" id="{470F3708-3E2A-4E74-839B-65A10CD4EBD0}"/>
+              </a:ext>
+            </a:extLst>
+          </p:cNvPr>
+          <p:cNvSpPr/>
+          <p:nvPr/>
+        </p:nvSpPr>
+        <p:spPr>
+          <a:xfrm>
+            <a:off x="7618379" y="4332156"/>
+            <a:ext cx="994299" cy="612559"/>
+          </a:xfrm>
+          <a:prstGeom prst="rect">
+            <a:avLst/>
+          </a:prstGeom>
+        </p:spPr>
+        <p:style>
+          <a:lnRef idx="2">
+            <a:schemeClr val="dk1"/>
+          </a:lnRef>
+          <a:fillRef idx="1">
+            <a:schemeClr val="lt1"/>
+          </a:fillRef>
+          <a:effectRef idx="0">
+            <a:schemeClr val="dk1"/>
+          </a:effectRef>
+          <a:fontRef idx="minor">
+            <a:schemeClr val="dk1"/>
+          </a:fontRef>
+        </p:style>
+        <p:txBody>
+          <a:bodyPr rtlCol="0" anchor="ctr"/>
+          <a:lstStyle/>
+          <a:p>
+            <a:pPr algn="ctr"/>
+            <a:r>
+              <a:rPr lang="en-US" altLang="zh-TW" dirty="0"/>
+              <a:t>Hough</a:t>
+            </a:r>
+          </a:p>
+          <a:p>
+            <a:pPr algn="ctr"/>
+            <a:r>
+              <a:rPr lang="en-US" altLang="zh-TW" dirty="0" err="1"/>
+              <a:t>linesP</a:t>
+            </a:r>
+            <a:endParaRPr lang="zh-TW" altLang="en-US" dirty="0"/>
+          </a:p>
+        </p:txBody>
+      </p:sp>
+      <p:sp>
+        <p:nvSpPr>
+          <p:cNvPr id="13" name="矩形 12">
+            <a:extLst>
+              <a:ext uri="{FF2B5EF4-FFF2-40B4-BE49-F238E27FC236}">
+                <a16:creationId xmlns:a16="http://schemas.microsoft.com/office/drawing/2014/main" id="{3F0102A3-67A4-4E05-A92E-F34CAC6D9DC8}"/>
+              </a:ext>
+            </a:extLst>
+          </p:cNvPr>
+          <p:cNvSpPr/>
+          <p:nvPr/>
+        </p:nvSpPr>
+        <p:spPr>
+          <a:xfrm>
+            <a:off x="8873601" y="4332156"/>
+            <a:ext cx="994299" cy="612559"/>
+          </a:xfrm>
+          <a:prstGeom prst="rect">
+            <a:avLst/>
+          </a:prstGeom>
+        </p:spPr>
+        <p:style>
+          <a:lnRef idx="2">
+            <a:schemeClr val="dk1"/>
+          </a:lnRef>
+          <a:fillRef idx="1">
+            <a:schemeClr val="lt1"/>
+          </a:fillRef>
+          <a:effectRef idx="0">
+            <a:schemeClr val="dk1"/>
+          </a:effectRef>
+          <a:fontRef idx="minor">
+            <a:schemeClr val="dk1"/>
+          </a:fontRef>
+        </p:style>
+        <p:txBody>
+          <a:bodyPr rtlCol="0" anchor="ctr"/>
+          <a:lstStyle/>
+          <a:p>
+            <a:pPr algn="ctr"/>
+            <a:r>
+              <a:rPr lang="en-US" altLang="zh-TW" dirty="0" err="1"/>
+              <a:t>keypoint</a:t>
+            </a:r>
+            <a:endParaRPr lang="zh-TW" altLang="en-US" dirty="0"/>
+          </a:p>
+        </p:txBody>
+      </p:sp>
+      <p:sp>
+        <p:nvSpPr>
+          <p:cNvPr id="14" name="矩形 13">
+            <a:extLst>
+              <a:ext uri="{FF2B5EF4-FFF2-40B4-BE49-F238E27FC236}">
+                <a16:creationId xmlns:a16="http://schemas.microsoft.com/office/drawing/2014/main" id="{2A665285-6CD9-4435-8DF8-03494AD66007}"/>
+              </a:ext>
+            </a:extLst>
+          </p:cNvPr>
+          <p:cNvSpPr/>
+          <p:nvPr/>
+        </p:nvSpPr>
+        <p:spPr>
+          <a:xfrm>
+            <a:off x="10259717" y="4332155"/>
+            <a:ext cx="994299" cy="612559"/>
+          </a:xfrm>
+          <a:prstGeom prst="rect">
+            <a:avLst/>
+          </a:prstGeom>
+        </p:spPr>
+        <p:style>
+          <a:lnRef idx="2">
+            <a:schemeClr val="dk1"/>
+          </a:lnRef>
+          <a:fillRef idx="1">
+            <a:schemeClr val="lt1"/>
+          </a:fillRef>
+          <a:effectRef idx="0">
+            <a:schemeClr val="dk1"/>
+          </a:effectRef>
+          <a:fontRef idx="minor">
+            <a:schemeClr val="dk1"/>
+          </a:fontRef>
+        </p:style>
+        <p:txBody>
+          <a:bodyPr rtlCol="0" anchor="ctr"/>
+          <a:lstStyle/>
+          <a:p>
+            <a:pPr algn="ctr"/>
+            <a:r>
+              <a:rPr lang="en-US" altLang="zh-TW" dirty="0"/>
+              <a:t>Optical flow</a:t>
+            </a:r>
+            <a:endParaRPr lang="zh-TW" altLang="en-US" dirty="0"/>
+          </a:p>
+        </p:txBody>
+      </p:sp>
+      <p:sp>
+        <p:nvSpPr>
+          <p:cNvPr id="15" name="矩形 14">
+            <a:extLst>
+              <a:ext uri="{FF2B5EF4-FFF2-40B4-BE49-F238E27FC236}">
+                <a16:creationId xmlns:a16="http://schemas.microsoft.com/office/drawing/2014/main" id="{ABD72492-8590-4CD0-9E42-C11FFED8ABA0}"/>
+              </a:ext>
+            </a:extLst>
+          </p:cNvPr>
+          <p:cNvSpPr/>
+          <p:nvPr/>
+        </p:nvSpPr>
+        <p:spPr>
+          <a:xfrm>
+            <a:off x="5221367" y="1430465"/>
+            <a:ext cx="1465180" cy="902655"/>
+          </a:xfrm>
+          <a:prstGeom prst="rect">
+            <a:avLst/>
+          </a:prstGeom>
+        </p:spPr>
+        <p:style>
+          <a:lnRef idx="2">
+            <a:schemeClr val="dk1"/>
+          </a:lnRef>
+          <a:fillRef idx="1">
+            <a:schemeClr val="lt1"/>
+          </a:fillRef>
+          <a:effectRef idx="0">
+            <a:schemeClr val="dk1"/>
+          </a:effectRef>
+          <a:fontRef idx="minor">
+            <a:schemeClr val="dk1"/>
+          </a:fontRef>
+        </p:style>
+        <p:txBody>
+          <a:bodyPr rtlCol="0" anchor="ctr"/>
+          <a:lstStyle/>
+          <a:p>
+            <a:pPr algn="ctr"/>
+            <a:r>
+              <a:rPr lang="zh-TW" altLang="en-US" dirty="0"/>
+              <a:t>辨識馬路破損區域</a:t>
+            </a:r>
+          </a:p>
+        </p:txBody>
+      </p:sp>
+      <p:cxnSp>
+        <p:nvCxnSpPr>
+          <p:cNvPr id="24" name="直線單箭頭接點 23">
+            <a:extLst>
+              <a:ext uri="{FF2B5EF4-FFF2-40B4-BE49-F238E27FC236}">
+                <a16:creationId xmlns:a16="http://schemas.microsoft.com/office/drawing/2014/main" id="{17ACD546-7034-4C68-B295-F88C4100C535}"/>
+              </a:ext>
+            </a:extLst>
+          </p:cNvPr>
+          <p:cNvCxnSpPr>
+            <a:cxnSpLocks/>
+            <a:stCxn id="11" idx="2"/>
+            <a:endCxn id="13" idx="0"/>
+          </p:cNvCxnSpPr>
+          <p:nvPr/>
+        </p:nvCxnSpPr>
+        <p:spPr>
+          <a:xfrm>
+            <a:off x="9262001" y="3428999"/>
+            <a:ext cx="108750" cy="903157"/>
+          </a:xfrm>
+          <a:prstGeom prst="straightConnector1">
+            <a:avLst/>
+          </a:prstGeom>
+          <a:ln>
+            <a:tailEnd type="triangle"/>
+          </a:ln>
+        </p:spPr>
+        <p:style>
+          <a:lnRef idx="1">
+            <a:schemeClr val="accent1"/>
+          </a:lnRef>
+          <a:fillRef idx="0">
+            <a:schemeClr val="accent1"/>
+          </a:fillRef>
+          <a:effectRef idx="0">
+            <a:schemeClr val="accent1"/>
+          </a:effectRef>
+          <a:fontRef idx="minor">
+            <a:schemeClr val="tx1"/>
+          </a:fontRef>
+        </p:style>
+      </p:cxnSp>
+      <p:cxnSp>
+        <p:nvCxnSpPr>
+          <p:cNvPr id="27" name="直線單箭頭接點 26">
+            <a:extLst>
+              <a:ext uri="{FF2B5EF4-FFF2-40B4-BE49-F238E27FC236}">
+                <a16:creationId xmlns:a16="http://schemas.microsoft.com/office/drawing/2014/main" id="{6874EB7B-7792-4D46-BDAE-8E0BD29C8407}"/>
+              </a:ext>
+            </a:extLst>
+          </p:cNvPr>
+          <p:cNvCxnSpPr>
+            <a:cxnSpLocks/>
+            <a:stCxn id="11" idx="2"/>
+            <a:endCxn id="12" idx="0"/>
+          </p:cNvCxnSpPr>
+          <p:nvPr/>
+        </p:nvCxnSpPr>
+        <p:spPr>
+          <a:xfrm flipH="1">
+            <a:off x="8115529" y="3428999"/>
+            <a:ext cx="1146472" cy="903157"/>
+          </a:xfrm>
+          <a:prstGeom prst="straightConnector1">
+            <a:avLst/>
+          </a:prstGeom>
+          <a:ln>
+            <a:tailEnd type="triangle"/>
+          </a:ln>
+        </p:spPr>
+        <p:style>
+          <a:lnRef idx="1">
+            <a:schemeClr val="accent1"/>
+          </a:lnRef>
+          <a:fillRef idx="0">
+            <a:schemeClr val="accent1"/>
+          </a:fillRef>
+          <a:effectRef idx="0">
+            <a:schemeClr val="accent1"/>
+          </a:effectRef>
+          <a:fontRef idx="minor">
+            <a:schemeClr val="tx1"/>
+          </a:fontRef>
+        </p:style>
+      </p:cxnSp>
+      <p:cxnSp>
+        <p:nvCxnSpPr>
+          <p:cNvPr id="29" name="直線單箭頭接點 28">
+            <a:extLst>
+              <a:ext uri="{FF2B5EF4-FFF2-40B4-BE49-F238E27FC236}">
+                <a16:creationId xmlns:a16="http://schemas.microsoft.com/office/drawing/2014/main" id="{AB821D12-ADED-4469-842E-2661571CCC89}"/>
+              </a:ext>
+            </a:extLst>
+          </p:cNvPr>
+          <p:cNvCxnSpPr>
+            <a:cxnSpLocks/>
+            <a:stCxn id="11" idx="2"/>
+            <a:endCxn id="14" idx="0"/>
+          </p:cNvCxnSpPr>
+          <p:nvPr/>
+        </p:nvCxnSpPr>
+        <p:spPr>
+          <a:xfrm>
+            <a:off x="9262001" y="3428999"/>
+            <a:ext cx="1494866" cy="903156"/>
+          </a:xfrm>
+          <a:prstGeom prst="straightConnector1">
+            <a:avLst/>
+          </a:prstGeom>
+          <a:ln>
+            <a:tailEnd type="triangle"/>
+          </a:ln>
+        </p:spPr>
+        <p:style>
+          <a:lnRef idx="1">
+            <a:schemeClr val="accent1"/>
+          </a:lnRef>
+          <a:fillRef idx="0">
+            <a:schemeClr val="accent1"/>
+          </a:fillRef>
+          <a:effectRef idx="0">
+            <a:schemeClr val="accent1"/>
+          </a:effectRef>
+          <a:fontRef idx="minor">
+            <a:schemeClr val="tx1"/>
+          </a:fontRef>
+        </p:style>
+      </p:cxnSp>
+      <p:cxnSp>
+        <p:nvCxnSpPr>
+          <p:cNvPr id="31" name="直線單箭頭接點 30">
+            <a:extLst>
+              <a:ext uri="{FF2B5EF4-FFF2-40B4-BE49-F238E27FC236}">
+                <a16:creationId xmlns:a16="http://schemas.microsoft.com/office/drawing/2014/main" id="{30FE92DB-252E-409D-874B-B465E38E98D2}"/>
+              </a:ext>
+            </a:extLst>
+          </p:cNvPr>
+          <p:cNvCxnSpPr>
+            <a:cxnSpLocks/>
+            <a:stCxn id="9" idx="2"/>
+            <a:endCxn id="5" idx="0"/>
+          </p:cNvCxnSpPr>
+          <p:nvPr/>
+        </p:nvCxnSpPr>
+        <p:spPr>
+          <a:xfrm flipH="1">
+            <a:off x="4429075" y="3428999"/>
+            <a:ext cx="1542636" cy="483323"/>
+          </a:xfrm>
+          <a:prstGeom prst="straightConnector1">
+            <a:avLst/>
+          </a:prstGeom>
+          <a:ln>
+            <a:tailEnd type="triangle"/>
+          </a:ln>
+        </p:spPr>
+        <p:style>
+          <a:lnRef idx="1">
+            <a:schemeClr val="accent1"/>
+          </a:lnRef>
+          <a:fillRef idx="0">
+            <a:schemeClr val="accent1"/>
+          </a:fillRef>
+          <a:effectRef idx="0">
+            <a:schemeClr val="accent1"/>
+          </a:effectRef>
+          <a:fontRef idx="minor">
+            <a:schemeClr val="tx1"/>
+          </a:fontRef>
+        </p:style>
+      </p:cxnSp>
+      <p:cxnSp>
+        <p:nvCxnSpPr>
+          <p:cNvPr id="33" name="直線單箭頭接點 32">
+            <a:extLst>
+              <a:ext uri="{FF2B5EF4-FFF2-40B4-BE49-F238E27FC236}">
+                <a16:creationId xmlns:a16="http://schemas.microsoft.com/office/drawing/2014/main" id="{88991276-74C1-442E-847B-0B47D807E384}"/>
+              </a:ext>
+            </a:extLst>
+          </p:cNvPr>
+          <p:cNvCxnSpPr>
+            <a:cxnSpLocks/>
+            <a:stCxn id="9" idx="2"/>
+            <a:endCxn id="6" idx="0"/>
+          </p:cNvCxnSpPr>
+          <p:nvPr/>
+        </p:nvCxnSpPr>
+        <p:spPr>
+          <a:xfrm>
+            <a:off x="5971711" y="3428999"/>
+            <a:ext cx="1041972" cy="386708"/>
+          </a:xfrm>
+          <a:prstGeom prst="straightConnector1">
+            <a:avLst/>
+          </a:prstGeom>
+          <a:ln>
+            <a:tailEnd type="triangle"/>
+          </a:ln>
+        </p:spPr>
+        <p:style>
+          <a:lnRef idx="1">
+            <a:schemeClr val="accent1"/>
+          </a:lnRef>
+          <a:fillRef idx="0">
+            <a:schemeClr val="accent1"/>
+          </a:fillRef>
+          <a:effectRef idx="0">
+            <a:schemeClr val="accent1"/>
+          </a:effectRef>
+          <a:fontRef idx="minor">
+            <a:schemeClr val="tx1"/>
+          </a:fontRef>
+        </p:style>
+      </p:cxnSp>
+      <p:cxnSp>
+        <p:nvCxnSpPr>
+          <p:cNvPr id="38" name="直線單箭頭接點 37">
+            <a:extLst>
+              <a:ext uri="{FF2B5EF4-FFF2-40B4-BE49-F238E27FC236}">
+                <a16:creationId xmlns:a16="http://schemas.microsoft.com/office/drawing/2014/main" id="{15F35DDB-C1CC-43B2-B85C-33F076A16FEB}"/>
+              </a:ext>
+            </a:extLst>
+          </p:cNvPr>
+          <p:cNvCxnSpPr>
+            <a:stCxn id="15" idx="2"/>
+            <a:endCxn id="9" idx="0"/>
+          </p:cNvCxnSpPr>
+          <p:nvPr/>
+        </p:nvCxnSpPr>
+        <p:spPr>
+          <a:xfrm>
+            <a:off x="5953957" y="2333120"/>
+            <a:ext cx="17754" cy="483320"/>
+          </a:xfrm>
+          <a:prstGeom prst="straightConnector1">
+            <a:avLst/>
+          </a:prstGeom>
+          <a:ln>
+            <a:tailEnd type="triangle"/>
+          </a:ln>
+        </p:spPr>
+        <p:style>
+          <a:lnRef idx="1">
+            <a:schemeClr val="accent1"/>
+          </a:lnRef>
+          <a:fillRef idx="0">
+            <a:schemeClr val="accent1"/>
+          </a:fillRef>
+          <a:effectRef idx="0">
+            <a:schemeClr val="accent1"/>
+          </a:effectRef>
+          <a:fontRef idx="minor">
+            <a:schemeClr val="tx1"/>
+          </a:fontRef>
+        </p:style>
+      </p:cxnSp>
+      <p:cxnSp>
+        <p:nvCxnSpPr>
+          <p:cNvPr id="40" name="直線單箭頭接點 39">
+            <a:extLst>
+              <a:ext uri="{FF2B5EF4-FFF2-40B4-BE49-F238E27FC236}">
+                <a16:creationId xmlns:a16="http://schemas.microsoft.com/office/drawing/2014/main" id="{C2663076-BED7-4D84-9BDA-EBB8A30A2380}"/>
+              </a:ext>
+            </a:extLst>
+          </p:cNvPr>
+          <p:cNvCxnSpPr>
+            <a:stCxn id="15" idx="2"/>
+            <a:endCxn id="10" idx="0"/>
+          </p:cNvCxnSpPr>
+          <p:nvPr/>
+        </p:nvCxnSpPr>
+        <p:spPr>
+          <a:xfrm flipH="1">
+            <a:off x="3288437" y="2333120"/>
+            <a:ext cx="2665520" cy="479810"/>
+          </a:xfrm>
+          <a:prstGeom prst="straightConnector1">
+            <a:avLst/>
+          </a:prstGeom>
+          <a:ln>
+            <a:tailEnd type="triangle"/>
+          </a:ln>
+        </p:spPr>
+        <p:style>
+          <a:lnRef idx="1">
+            <a:schemeClr val="accent1"/>
+          </a:lnRef>
+          <a:fillRef idx="0">
+            <a:schemeClr val="accent1"/>
+          </a:fillRef>
+          <a:effectRef idx="0">
+            <a:schemeClr val="accent1"/>
+          </a:effectRef>
+          <a:fontRef idx="minor">
+            <a:schemeClr val="tx1"/>
+          </a:fontRef>
+        </p:style>
+      </p:cxnSp>
+      <p:cxnSp>
+        <p:nvCxnSpPr>
+          <p:cNvPr id="41" name="直線單箭頭接點 40">
+            <a:extLst>
+              <a:ext uri="{FF2B5EF4-FFF2-40B4-BE49-F238E27FC236}">
+                <a16:creationId xmlns:a16="http://schemas.microsoft.com/office/drawing/2014/main" id="{7FDDD2E0-0E5C-4A6E-9F6A-D961180ED2D7}"/>
+              </a:ext>
+            </a:extLst>
+          </p:cNvPr>
+          <p:cNvCxnSpPr>
+            <a:cxnSpLocks/>
+            <a:stCxn id="15" idx="2"/>
+            <a:endCxn id="11" idx="0"/>
+          </p:cNvCxnSpPr>
+          <p:nvPr/>
+        </p:nvCxnSpPr>
+        <p:spPr>
+          <a:xfrm>
+            <a:off x="5953957" y="2333120"/>
+            <a:ext cx="3308044" cy="483320"/>
+          </a:xfrm>
+          <a:prstGeom prst="straightConnector1">
+            <a:avLst/>
+          </a:prstGeom>
+          <a:ln>
+            <a:tailEnd type="triangle"/>
+          </a:ln>
+        </p:spPr>
+        <p:style>
+          <a:lnRef idx="1">
+            <a:schemeClr val="accent1"/>
+          </a:lnRef>
+          <a:fillRef idx="0">
+            <a:schemeClr val="accent1"/>
+          </a:fillRef>
+          <a:effectRef idx="0">
+            <a:schemeClr val="accent1"/>
+          </a:effectRef>
+          <a:fontRef idx="minor">
+            <a:schemeClr val="tx1"/>
+          </a:fontRef>
+        </p:style>
+      </p:cxnSp>
+      <p:cxnSp>
+        <p:nvCxnSpPr>
+          <p:cNvPr id="46" name="直線單箭頭接點 45">
+            <a:extLst>
+              <a:ext uri="{FF2B5EF4-FFF2-40B4-BE49-F238E27FC236}">
+                <a16:creationId xmlns:a16="http://schemas.microsoft.com/office/drawing/2014/main" id="{7B34DC16-7A73-4F80-BC95-3C3E0D5D9F41}"/>
+              </a:ext>
+            </a:extLst>
+          </p:cNvPr>
+          <p:cNvCxnSpPr>
+            <a:stCxn id="9" idx="2"/>
+            <a:endCxn id="7" idx="0"/>
+          </p:cNvCxnSpPr>
+          <p:nvPr/>
+        </p:nvCxnSpPr>
+        <p:spPr>
+          <a:xfrm flipH="1">
+            <a:off x="5378991" y="3428999"/>
+            <a:ext cx="592720" cy="1385976"/>
+          </a:xfrm>
+          <a:prstGeom prst="straightConnector1">
+            <a:avLst/>
+          </a:prstGeom>
+          <a:ln>
+            <a:tailEnd type="triangle"/>
+          </a:ln>
+        </p:spPr>
+        <p:style>
+          <a:lnRef idx="1">
+            <a:schemeClr val="accent1"/>
+          </a:lnRef>
+          <a:fillRef idx="0">
+            <a:schemeClr val="accent1"/>
+          </a:fillRef>
+          <a:effectRef idx="0">
+            <a:schemeClr val="accent1"/>
+          </a:effectRef>
+          <a:fontRef idx="minor">
+            <a:schemeClr val="tx1"/>
+          </a:fontRef>
+        </p:style>
+      </p:cxnSp>
+      <p:cxnSp>
+        <p:nvCxnSpPr>
+          <p:cNvPr id="47" name="直線單箭頭接點 46">
+            <a:extLst>
+              <a:ext uri="{FF2B5EF4-FFF2-40B4-BE49-F238E27FC236}">
+                <a16:creationId xmlns:a16="http://schemas.microsoft.com/office/drawing/2014/main" id="{173B1A34-F6DE-4D79-B753-487C51B0C1D3}"/>
+              </a:ext>
+            </a:extLst>
+          </p:cNvPr>
+          <p:cNvCxnSpPr>
+            <a:cxnSpLocks/>
+            <a:stCxn id="9" idx="2"/>
+            <a:endCxn id="8" idx="0"/>
+          </p:cNvCxnSpPr>
+          <p:nvPr/>
+        </p:nvCxnSpPr>
+        <p:spPr>
+          <a:xfrm>
+            <a:off x="5971711" y="3428999"/>
+            <a:ext cx="568169" cy="1385977"/>
+          </a:xfrm>
+          <a:prstGeom prst="straightConnector1">
+            <a:avLst/>
+          </a:prstGeom>
+          <a:ln>
+            <a:tailEnd type="triangle"/>
+          </a:ln>
+        </p:spPr>
+        <p:style>
+          <a:lnRef idx="1">
+            <a:schemeClr val="accent1"/>
+          </a:lnRef>
+          <a:fillRef idx="0">
+            <a:schemeClr val="accent1"/>
+          </a:fillRef>
+          <a:effectRef idx="0">
+            <a:schemeClr val="accent1"/>
+          </a:effectRef>
+          <a:fontRef idx="minor">
+            <a:schemeClr val="tx1"/>
+          </a:fontRef>
+        </p:style>
+      </p:cxnSp>
+    </p:spTree>
+    <p:extLst>
+      <p:ext uri="{BB962C8B-B14F-4D97-AF65-F5344CB8AC3E}">
+        <p14:creationId xmlns:p14="http://schemas.microsoft.com/office/powerpoint/2010/main" val="3262926509"/>
+      </p:ext>
+    </p:extLst>
+  </p:cSld>
+  <p:clrMapOvr>
+    <a:masterClrMapping/>
+  </p:clrMapOvr>
+</p:sld>
+</file>
+
+<file path=ppt/slides/slide8.xml><?xml version="1.0" encoding="utf-8"?>
+<p:sld xmlns:a="http://schemas.openxmlformats.org/drawingml/2006/main" xmlns:r="http://schemas.openxmlformats.org/officeDocument/2006/relationships" xmlns:p="http://schemas.openxmlformats.org/presentationml/2006/main">
+  <p:cSld>
+    <p:spTree>
+      <p:nvGrpSpPr>
+        <p:cNvPr id="1" name=""/>
+        <p:cNvGrpSpPr/>
+        <p:nvPr/>
+      </p:nvGrpSpPr>
+      <p:grpSpPr>
+        <a:xfrm>
+          <a:off x="0" y="0"/>
+          <a:ext cx="0" cy="0"/>
+          <a:chOff x="0" y="0"/>
+          <a:chExt cx="0" cy="0"/>
+        </a:xfrm>
+      </p:grpSpPr>
+      <p:sp>
+        <p:nvSpPr>
           <p:cNvPr id="3" name="標題 2"/>
           <p:cNvSpPr>
             <a:spLocks noGrp="1"/>
@@ -5166,7 +6201,7 @@
 </p:sld>
 </file>
 
-<file path=ppt/slides/slide8.xml><?xml version="1.0" encoding="utf-8"?>
+<file path=ppt/slides/slide9.xml><?xml version="1.0" encoding="utf-8"?>
 <p:sld xmlns:a="http://schemas.openxmlformats.org/drawingml/2006/main" xmlns:r="http://schemas.openxmlformats.org/officeDocument/2006/relationships" xmlns:p="http://schemas.openxmlformats.org/presentationml/2006/main">
   <p:cSld>
     <p:spTree>
